--- a/Aldiseño.pptx
+++ b/Aldiseño.pptx
@@ -3590,20 +3590,8 @@
           <a:lstStyle/>
           <a:p>
             <a:r>
-              <a:rPr lang="es-PE" dirty="0" err="1"/>
-              <a:t>Aldiseño</a:t>
-            </a:r>
-            <a:r>
               <a:rPr lang="es-PE" dirty="0"/>
-              <a:t> </a:t>
-            </a:r>
-            <a:r>
-              <a:rPr lang="es-PE" dirty="0" err="1"/>
-              <a:t>e.i.r.l</a:t>
-            </a:r>
-            <a:r>
-              <a:rPr lang="es-PE" dirty="0"/>
-              <a:t>.</a:t>
+              <a:t>Aldiseño e.i.r.l.</a:t>
             </a:r>
           </a:p>
         </p:txBody>
@@ -3631,23 +3619,7 @@
           <a:p>
             <a:r>
               <a:rPr lang="es-PE" dirty="0"/>
-              <a:t>¿Qué es </a:t>
-            </a:r>
-            <a:r>
-              <a:rPr lang="es-PE" dirty="0" err="1"/>
-              <a:t>aldiseño</a:t>
-            </a:r>
-            <a:r>
-              <a:rPr lang="es-PE" dirty="0"/>
-              <a:t> </a:t>
-            </a:r>
-            <a:r>
-              <a:rPr lang="es-PE" dirty="0" err="1"/>
-              <a:t>eirl</a:t>
-            </a:r>
-            <a:r>
-              <a:rPr lang="es-PE" dirty="0"/>
-              <a:t>?</a:t>
+              <a:t>¿Qué es aldiseño eirl?</a:t>
             </a:r>
           </a:p>
         </p:txBody>
@@ -3704,20 +3676,8 @@
           <a:lstStyle/>
           <a:p>
             <a:r>
-              <a:rPr lang="es-PE" dirty="0" err="1"/>
-              <a:t>Aldiseño</a:t>
-            </a:r>
-            <a:r>
               <a:rPr lang="es-PE" dirty="0"/>
-              <a:t> </a:t>
-            </a:r>
-            <a:r>
-              <a:rPr lang="es-PE" dirty="0" err="1"/>
-              <a:t>e.i.r.l</a:t>
-            </a:r>
-            <a:r>
-              <a:rPr lang="es-PE" dirty="0"/>
-              <a:t>.</a:t>
+              <a:t>Aldiseño e.i.r.l.</a:t>
             </a:r>
           </a:p>
         </p:txBody>
@@ -3841,20 +3801,8 @@
           <a:lstStyle/>
           <a:p>
             <a:r>
-              <a:rPr lang="es-PE" dirty="0" err="1"/>
-              <a:t>Aldiseño</a:t>
-            </a:r>
-            <a:r>
               <a:rPr lang="es-PE" dirty="0"/>
-              <a:t> </a:t>
-            </a:r>
-            <a:r>
-              <a:rPr lang="es-PE" dirty="0" err="1"/>
-              <a:t>e.i.r.l</a:t>
-            </a:r>
-            <a:r>
-              <a:rPr lang="es-PE" dirty="0"/>
-              <a:t>.</a:t>
+              <a:t>Aldiseño e.i.r.l.</a:t>
             </a:r>
           </a:p>
         </p:txBody>
@@ -4033,20 +3981,8 @@
           <a:lstStyle/>
           <a:p>
             <a:r>
-              <a:rPr lang="es-PE" dirty="0" err="1"/>
-              <a:t>Aldiseño</a:t>
-            </a:r>
-            <a:r>
               <a:rPr lang="es-PE" dirty="0"/>
-              <a:t> </a:t>
-            </a:r>
-            <a:r>
-              <a:rPr lang="es-PE" dirty="0" err="1"/>
-              <a:t>e.i.r.l</a:t>
-            </a:r>
-            <a:r>
-              <a:rPr lang="es-PE" dirty="0"/>
-              <a:t>.</a:t>
+              <a:t>Aldiseño e.i.r.l.</a:t>
             </a:r>
           </a:p>
         </p:txBody>
@@ -4286,20 +4222,8 @@
           <a:lstStyle/>
           <a:p>
             <a:r>
-              <a:rPr lang="es-PE" dirty="0" err="1"/>
-              <a:t>Aldiseño</a:t>
-            </a:r>
-            <a:r>
               <a:rPr lang="es-PE" dirty="0"/>
-              <a:t> </a:t>
-            </a:r>
-            <a:r>
-              <a:rPr lang="es-PE" dirty="0" err="1"/>
-              <a:t>e.i.r.l</a:t>
-            </a:r>
-            <a:r>
-              <a:rPr lang="es-PE" dirty="0"/>
-              <a:t>.</a:t>
+              <a:t>Aldiseño e.i.r.l.</a:t>
             </a:r>
           </a:p>
         </p:txBody>
@@ -4862,20 +4786,8 @@
           <a:lstStyle/>
           <a:p>
             <a:r>
-              <a:rPr lang="es-PE" dirty="0" err="1"/>
-              <a:t>Aldiseño</a:t>
-            </a:r>
-            <a:r>
               <a:rPr lang="es-PE" dirty="0"/>
-              <a:t> </a:t>
-            </a:r>
-            <a:r>
-              <a:rPr lang="es-PE" dirty="0" err="1"/>
-              <a:t>e.i.r.l</a:t>
-            </a:r>
-            <a:r>
-              <a:rPr lang="es-PE" dirty="0"/>
-              <a:t>.</a:t>
+              <a:t>Aldiseño e.i.r.l.</a:t>
             </a:r>
           </a:p>
         </p:txBody>
@@ -5271,20 +5183,8 @@
           <a:lstStyle/>
           <a:p>
             <a:r>
-              <a:rPr lang="es-PE" dirty="0" err="1"/>
-              <a:t>Aldiseño</a:t>
-            </a:r>
-            <a:r>
               <a:rPr lang="es-PE" dirty="0"/>
-              <a:t> </a:t>
-            </a:r>
-            <a:r>
-              <a:rPr lang="es-PE" dirty="0" err="1"/>
-              <a:t>e.i.r.l</a:t>
-            </a:r>
-            <a:r>
-              <a:rPr lang="es-PE" dirty="0"/>
-              <a:t>.</a:t>
+              <a:t>Aldiseño e.i.r.l.</a:t>
             </a:r>
           </a:p>
         </p:txBody>
